--- a/Slides/3 - Components.pptx
+++ b/Slides/3 - Components.pptx
@@ -147,9 +147,6 @@
             <p14:sldId id="450"/>
           </p14:sldIdLst>
         </p14:section>
-        <p14:section name="Untitled Section" id="{170ECFCA-5ACD-4231-8B00-3FD73B421676}">
-          <p14:sldIdLst/>
-        </p14:section>
       </p14:sectionLst>
     </p:ext>
     <p:ext uri="{EFAFB233-063F-42B5-8137-9DF3F51BA10A}">
@@ -244,7 +241,7 @@
           <a:p>
             <a:fld id="{A9DDBD42-E139-45FA-9C16-1611187CAC3F}" type="datetimeFigureOut">
               <a:rPr lang="en-US" smtClean="0"/>
-              <a:t>9/8/2015</a:t>
+              <a:t>9/9/2015</a:t>
             </a:fld>
             <a:endParaRPr lang="en-US"/>
           </a:p>
@@ -3386,6 +3383,13 @@
   <p:clrMapOvr>
     <a:masterClrMapping/>
   </p:clrMapOvr>
+  <p:timing>
+    <p:tnLst>
+      <p:par>
+        <p:cTn id="1" dur="indefinite" restart="never" nodeType="tmRoot"/>
+      </p:par>
+    </p:tnLst>
+  </p:timing>
 </p:sld>
 </file>
 
@@ -3562,6 +3566,13 @@
   <p:clrMapOvr>
     <a:masterClrMapping/>
   </p:clrMapOvr>
+  <p:timing>
+    <p:tnLst>
+      <p:par>
+        <p:cTn id="1" dur="indefinite" restart="never" nodeType="tmRoot"/>
+      </p:par>
+    </p:tnLst>
+  </p:timing>
 </p:sld>
 </file>
 
@@ -4030,6 +4041,13 @@
   <p:clrMapOvr>
     <a:masterClrMapping/>
   </p:clrMapOvr>
+  <p:timing>
+    <p:tnLst>
+      <p:par>
+        <p:cTn id="1" dur="indefinite" restart="never" nodeType="tmRoot"/>
+      </p:par>
+    </p:tnLst>
+  </p:timing>
 </p:sld>
 </file>
 
@@ -4083,6 +4101,13 @@
   <p:clrMapOvr>
     <a:masterClrMapping/>
   </p:clrMapOvr>
+  <p:timing>
+    <p:tnLst>
+      <p:par>
+        <p:cTn id="1" dur="indefinite" restart="never" nodeType="tmRoot"/>
+      </p:par>
+    </p:tnLst>
+  </p:timing>
 </p:sld>
 </file>
 
@@ -4155,6 +4180,13 @@
   <p:clrMapOvr>
     <a:masterClrMapping/>
   </p:clrMapOvr>
+  <p:timing>
+    <p:tnLst>
+      <p:par>
+        <p:cTn id="1" dur="indefinite" restart="never" nodeType="tmRoot"/>
+      </p:par>
+    </p:tnLst>
+  </p:timing>
 </p:sld>
 </file>
 
@@ -4436,6 +4468,13 @@
   <p:clrMapOvr>
     <a:masterClrMapping/>
   </p:clrMapOvr>
+  <p:timing>
+    <p:tnLst>
+      <p:par>
+        <p:cTn id="1" dur="indefinite" restart="never" nodeType="tmRoot"/>
+      </p:par>
+    </p:tnLst>
+  </p:timing>
 </p:sld>
 </file>
 
@@ -4489,6 +4528,13 @@
   <p:clrMapOvr>
     <a:masterClrMapping/>
   </p:clrMapOvr>
+  <p:timing>
+    <p:tnLst>
+      <p:par>
+        <p:cTn id="1" dur="indefinite" restart="never" nodeType="tmRoot"/>
+      </p:par>
+    </p:tnLst>
+  </p:timing>
 </p:sld>
 </file>
 
@@ -4622,6 +4668,13 @@
   <p:clrMapOvr>
     <a:masterClrMapping/>
   </p:clrMapOvr>
+  <p:timing>
+    <p:tnLst>
+      <p:par>
+        <p:cTn id="1" dur="indefinite" restart="never" nodeType="tmRoot"/>
+      </p:par>
+    </p:tnLst>
+  </p:timing>
 </p:sld>
 </file>
 
@@ -4769,15 +4822,7 @@
           <a:p>
             <a:r>
               <a:rPr lang="en-US" dirty="0" smtClean="0"/>
-              <a:t>Most every </a:t>
-            </a:r>
-            <a:r>
-              <a:rPr lang="en-US" dirty="0" smtClean="0"/>
-              <a:t>UI tool </a:t>
-            </a:r>
-            <a:r>
-              <a:rPr lang="en-US" dirty="0" smtClean="0"/>
-              <a:t>offers templating</a:t>
+              <a:t>Most every UI tool offers templating</a:t>
             </a:r>
           </a:p>
           <a:p>
@@ -4800,6 +4845,13 @@
   <p:clrMapOvr>
     <a:masterClrMapping/>
   </p:clrMapOvr>
+  <p:timing>
+    <p:tnLst>
+      <p:par>
+        <p:cTn id="1" dur="indefinite" restart="never" nodeType="tmRoot"/>
+      </p:par>
+    </p:tnLst>
+  </p:timing>
 </p:sld>
 </file>
 
@@ -4890,6 +4942,13 @@
   <p:clrMapOvr>
     <a:masterClrMapping/>
   </p:clrMapOvr>
+  <p:timing>
+    <p:tnLst>
+      <p:par>
+        <p:cTn id="1" dur="indefinite" restart="never" nodeType="tmRoot"/>
+      </p:par>
+    </p:tnLst>
+  </p:timing>
 </p:sld>
 </file>
 
@@ -5021,6 +5080,13 @@
   <p:clrMapOvr>
     <a:masterClrMapping/>
   </p:clrMapOvr>
+  <p:timing>
+    <p:tnLst>
+      <p:par>
+        <p:cTn id="1" dur="indefinite" restart="never" nodeType="tmRoot"/>
+      </p:par>
+    </p:tnLst>
+  </p:timing>
 </p:sld>
 </file>
 
@@ -5074,6 +5140,13 @@
   <p:clrMapOvr>
     <a:masterClrMapping/>
   </p:clrMapOvr>
+  <p:timing>
+    <p:tnLst>
+      <p:par>
+        <p:cTn id="1" dur="indefinite" restart="never" nodeType="tmRoot"/>
+      </p:par>
+    </p:tnLst>
+  </p:timing>
 </p:sld>
 </file>
 
@@ -5256,6 +5329,13 @@
   <p:clrMapOvr>
     <a:masterClrMapping/>
   </p:clrMapOvr>
+  <p:timing>
+    <p:tnLst>
+      <p:par>
+        <p:cTn id="1" dur="indefinite" restart="never" nodeType="tmRoot"/>
+      </p:par>
+    </p:tnLst>
+  </p:timing>
 </p:sld>
 </file>
 
